--- a/Geomagnetic_Presentation_Beans2.pptx
+++ b/Geomagnetic_Presentation_Beans2.pptx
@@ -6459,7 +6459,7 @@
                   <a:schemeClr val="tx1"/>
                 </a:solidFill>
               </a:rPr>
-              <a:t>We are a group of Waterloo students who saw an opportunity to use the knowledge we’ve accrued through our studies in tandem with existing professional techniques to modernize and advance the management and integration of geomagnetic data. We set out to create a system that would isolate erroneous data consistently and accurately; and present it cogently. The foundation of our code is based on the “Hilbert Huang transform” along with other signal processing techniques.</a:t>
+              <a:t>We are a group of Waterloo students who saw an opportunity to use the knowledge we’ve accrued through our studies in tandem with existing professional techniques to modernize and advance the management and integration of geomagnetic data. </a:t>
             </a:r>
           </a:p>
         </p:txBody>
@@ -6905,7 +6905,12 @@
             <p:ph type="title"/>
           </p:nvPr>
         </p:nvSpPr>
-        <p:spPr/>
+        <p:spPr>
+          <a:xfrm>
+            <a:off x="392665" y="4386879"/>
+            <a:ext cx="8534400" cy="1507067"/>
+          </a:xfrm>
+        </p:spPr>
         <p:txBody>
           <a:bodyPr/>
           <a:lstStyle/>
@@ -6943,8 +6948,8 @@
         </p:nvSpPr>
         <p:spPr>
           <a:xfrm>
-            <a:off x="684212" y="685800"/>
-            <a:ext cx="6277027" cy="3615267"/>
+            <a:off x="198077" y="346198"/>
+            <a:ext cx="5550623" cy="4292063"/>
           </a:xfrm>
         </p:spPr>
         <p:txBody>
@@ -6954,7 +6959,7 @@
           <a:lstStyle/>
           <a:p>
             <a:r>
-              <a:rPr lang="en-CA" dirty="0">
+              <a:rPr lang="en-CA" sz="1800" dirty="0">
                 <a:solidFill>
                   <a:schemeClr val="tx1"/>
                 </a:solidFill>
@@ -6964,7 +6969,7 @@
           </a:p>
           <a:p>
             <a:r>
-              <a:rPr lang="en-CA" dirty="0">
+              <a:rPr lang="en-CA" sz="1800" dirty="0">
                 <a:solidFill>
                   <a:schemeClr val="tx1"/>
                 </a:solidFill>
@@ -6974,12 +6979,47 @@
           </a:p>
         </p:txBody>
       </p:sp>
+      <p:sp>
+        <p:nvSpPr>
+          <p:cNvPr id="17" name="TextBox 16">
+            <a:extLst>
+              <a:ext uri="{FF2B5EF4-FFF2-40B4-BE49-F238E27FC236}">
+                <a16:creationId xmlns:a16="http://schemas.microsoft.com/office/drawing/2014/main" id="{F298DA6A-5F12-49E6-A773-0F5A57E42FC7}"/>
+              </a:ext>
+            </a:extLst>
+          </p:cNvPr>
+          <p:cNvSpPr txBox="1"/>
+          <p:nvPr/>
+        </p:nvSpPr>
+        <p:spPr>
+          <a:xfrm>
+            <a:off x="7989038" y="5709280"/>
+            <a:ext cx="3076483" cy="369332"/>
+          </a:xfrm>
+          <a:prstGeom prst="rect">
+            <a:avLst/>
+          </a:prstGeom>
+          <a:noFill/>
+        </p:spPr>
+        <p:txBody>
+          <a:bodyPr wrap="none" rtlCol="0">
+            <a:spAutoFit/>
+          </a:bodyPr>
+          <a:lstStyle/>
+          <a:p>
+            <a:r>
+              <a:rPr lang="en-CA" dirty="0"/>
+              <a:t>“Intrinsic Mode Functions”</a:t>
+            </a:r>
+          </a:p>
+        </p:txBody>
+      </p:sp>
       <p:pic>
         <p:nvPicPr>
-          <p:cNvPr id="8" name="Graphic 7" descr="Statistics">
+          <p:cNvPr id="5" name="Picture 4">
             <a:extLst>
               <a:ext uri="{FF2B5EF4-FFF2-40B4-BE49-F238E27FC236}">
-                <a16:creationId xmlns:a16="http://schemas.microsoft.com/office/drawing/2014/main" id="{54E3F51D-04A5-4AF7-AB35-249677E07900}"/>
+                <a16:creationId xmlns:a16="http://schemas.microsoft.com/office/drawing/2014/main" id="{D5BFF77C-86ED-4AAE-8746-03CCDEF64E59}"/>
               </a:ext>
             </a:extLst>
           </p:cNvPr>
@@ -6994,9 +7034,6 @@
               <a:ext uri="{28A0092B-C50C-407E-A947-70E740481C1C}">
                 <a14:useLocalDpi xmlns:a14="http://schemas.microsoft.com/office/drawing/2010/main" val="0"/>
               </a:ext>
-              <a:ext uri="{96DAC541-7B7A-43D3-8B79-37D633B846F1}">
-                <asvg:svgBlip xmlns:asvg="http://schemas.microsoft.com/office/drawing/2016/SVG/main" r:embed="rId3"/>
-              </a:ext>
             </a:extLst>
           </a:blip>
           <a:stretch>
@@ -7005,299 +7042,14 @@
         </p:blipFill>
         <p:spPr>
           <a:xfrm>
-            <a:off x="8634696" y="149805"/>
-            <a:ext cx="1653786" cy="1653786"/>
+            <a:off x="6443301" y="184595"/>
+            <a:ext cx="5550622" cy="3776870"/>
           </a:xfrm>
           <a:prstGeom prst="rect">
             <a:avLst/>
           </a:prstGeom>
         </p:spPr>
       </p:pic>
-      <p:pic>
-        <p:nvPicPr>
-          <p:cNvPr id="10" name="Graphic 9" descr="Statistics">
-            <a:extLst>
-              <a:ext uri="{FF2B5EF4-FFF2-40B4-BE49-F238E27FC236}">
-                <a16:creationId xmlns:a16="http://schemas.microsoft.com/office/drawing/2014/main" id="{F36AB269-D3AA-4ACB-AFC8-3B10E58F3E4A}"/>
-              </a:ext>
-            </a:extLst>
-          </p:cNvPr>
-          <p:cNvPicPr>
-            <a:picLocks noChangeAspect="1"/>
-          </p:cNvPicPr>
-          <p:nvPr/>
-        </p:nvPicPr>
-        <p:blipFill>
-          <a:blip r:embed="rId2">
-            <a:extLst>
-              <a:ext uri="{28A0092B-C50C-407E-A947-70E740481C1C}">
-                <a14:useLocalDpi xmlns:a14="http://schemas.microsoft.com/office/drawing/2010/main" val="0"/>
-              </a:ext>
-              <a:ext uri="{96DAC541-7B7A-43D3-8B79-37D633B846F1}">
-                <asvg:svgBlip xmlns:asvg="http://schemas.microsoft.com/office/drawing/2016/SVG/main" r:embed="rId3"/>
-              </a:ext>
-            </a:extLst>
-          </a:blip>
-          <a:stretch>
-            <a:fillRect/>
-          </a:stretch>
-        </p:blipFill>
-        <p:spPr>
-          <a:xfrm>
-            <a:off x="9307977" y="2941320"/>
-            <a:ext cx="1653786" cy="1653786"/>
-          </a:xfrm>
-          <a:prstGeom prst="rect">
-            <a:avLst/>
-          </a:prstGeom>
-        </p:spPr>
-      </p:pic>
-      <p:pic>
-        <p:nvPicPr>
-          <p:cNvPr id="11" name="Graphic 10" descr="Statistics">
-            <a:extLst>
-              <a:ext uri="{FF2B5EF4-FFF2-40B4-BE49-F238E27FC236}">
-                <a16:creationId xmlns:a16="http://schemas.microsoft.com/office/drawing/2014/main" id="{E3DC27F4-1292-4AE9-A612-89367B50F9A2}"/>
-              </a:ext>
-            </a:extLst>
-          </p:cNvPr>
-          <p:cNvPicPr>
-            <a:picLocks noChangeAspect="1"/>
-          </p:cNvPicPr>
-          <p:nvPr/>
-        </p:nvPicPr>
-        <p:blipFill>
-          <a:blip r:embed="rId2">
-            <a:extLst>
-              <a:ext uri="{28A0092B-C50C-407E-A947-70E740481C1C}">
-                <a14:useLocalDpi xmlns:a14="http://schemas.microsoft.com/office/drawing/2010/main" val="0"/>
-              </a:ext>
-              <a:ext uri="{96DAC541-7B7A-43D3-8B79-37D633B846F1}">
-                <asvg:svgBlip xmlns:asvg="http://schemas.microsoft.com/office/drawing/2016/SVG/main" r:embed="rId3"/>
-              </a:ext>
-            </a:extLst>
-          </a:blip>
-          <a:stretch>
-            <a:fillRect/>
-          </a:stretch>
-        </p:blipFill>
-        <p:spPr>
-          <a:xfrm>
-            <a:off x="7989038" y="2941320"/>
-            <a:ext cx="1653786" cy="1653786"/>
-          </a:xfrm>
-          <a:prstGeom prst="rect">
-            <a:avLst/>
-          </a:prstGeom>
-        </p:spPr>
-      </p:pic>
-      <p:pic>
-        <p:nvPicPr>
-          <p:cNvPr id="12" name="Graphic 11" descr="Statistics">
-            <a:extLst>
-              <a:ext uri="{FF2B5EF4-FFF2-40B4-BE49-F238E27FC236}">
-                <a16:creationId xmlns:a16="http://schemas.microsoft.com/office/drawing/2014/main" id="{EB0F0447-883A-48BB-8CA1-287930BCE05D}"/>
-              </a:ext>
-            </a:extLst>
-          </p:cNvPr>
-          <p:cNvPicPr>
-            <a:picLocks noChangeAspect="1"/>
-          </p:cNvPicPr>
-          <p:nvPr/>
-        </p:nvPicPr>
-        <p:blipFill>
-          <a:blip r:embed="rId2">
-            <a:extLst>
-              <a:ext uri="{28A0092B-C50C-407E-A947-70E740481C1C}">
-                <a14:useLocalDpi xmlns:a14="http://schemas.microsoft.com/office/drawing/2010/main" val="0"/>
-              </a:ext>
-              <a:ext uri="{96DAC541-7B7A-43D3-8B79-37D633B846F1}">
-                <asvg:svgBlip xmlns:asvg="http://schemas.microsoft.com/office/drawing/2016/SVG/main" r:embed="rId3"/>
-              </a:ext>
-            </a:extLst>
-          </a:blip>
-          <a:stretch>
-            <a:fillRect/>
-          </a:stretch>
-        </p:blipFill>
-        <p:spPr>
-          <a:xfrm>
-            <a:off x="9307977" y="4240160"/>
-            <a:ext cx="1653786" cy="1653786"/>
-          </a:xfrm>
-          <a:prstGeom prst="rect">
-            <a:avLst/>
-          </a:prstGeom>
-        </p:spPr>
-      </p:pic>
-      <p:pic>
-        <p:nvPicPr>
-          <p:cNvPr id="13" name="Graphic 12" descr="Statistics">
-            <a:extLst>
-              <a:ext uri="{FF2B5EF4-FFF2-40B4-BE49-F238E27FC236}">
-                <a16:creationId xmlns:a16="http://schemas.microsoft.com/office/drawing/2014/main" id="{65D31044-8D48-4AF8-813D-D5270F453AC0}"/>
-              </a:ext>
-            </a:extLst>
-          </p:cNvPr>
-          <p:cNvPicPr>
-            <a:picLocks noChangeAspect="1"/>
-          </p:cNvPicPr>
-          <p:nvPr/>
-        </p:nvPicPr>
-        <p:blipFill>
-          <a:blip r:embed="rId2">
-            <a:extLst>
-              <a:ext uri="{28A0092B-C50C-407E-A947-70E740481C1C}">
-                <a14:useLocalDpi xmlns:a14="http://schemas.microsoft.com/office/drawing/2010/main" val="0"/>
-              </a:ext>
-              <a:ext uri="{96DAC541-7B7A-43D3-8B79-37D633B846F1}">
-                <asvg:svgBlip xmlns:asvg="http://schemas.microsoft.com/office/drawing/2016/SVG/main" r:embed="rId3"/>
-              </a:ext>
-            </a:extLst>
-          </a:blip>
-          <a:stretch>
-            <a:fillRect/>
-          </a:stretch>
-        </p:blipFill>
-        <p:spPr>
-          <a:xfrm>
-            <a:off x="7989038" y="4240160"/>
-            <a:ext cx="1653786" cy="1653786"/>
-          </a:xfrm>
-          <a:prstGeom prst="rect">
-            <a:avLst/>
-          </a:prstGeom>
-        </p:spPr>
-      </p:pic>
-      <p:sp>
-        <p:nvSpPr>
-          <p:cNvPr id="14" name="Arrow: Right 13">
-            <a:extLst>
-              <a:ext uri="{FF2B5EF4-FFF2-40B4-BE49-F238E27FC236}">
-                <a16:creationId xmlns:a16="http://schemas.microsoft.com/office/drawing/2014/main" id="{0BA8EB34-729C-4057-A6AA-D148871E2BB1}"/>
-              </a:ext>
-            </a:extLst>
-          </p:cNvPr>
-          <p:cNvSpPr/>
-          <p:nvPr/>
-        </p:nvSpPr>
-        <p:spPr>
-          <a:xfrm rot="5400000">
-            <a:off x="8757688" y="1712862"/>
-            <a:ext cx="1447564" cy="1306800"/>
-          </a:xfrm>
-          <a:prstGeom prst="rightArrow">
-            <a:avLst/>
-          </a:prstGeom>
-          <a:solidFill>
-            <a:schemeClr val="tx1"/>
-          </a:solidFill>
-          <a:ln>
-            <a:noFill/>
-          </a:ln>
-        </p:spPr>
-        <p:style>
-          <a:lnRef idx="2">
-            <a:schemeClr val="accent1">
-              <a:shade val="50000"/>
-            </a:schemeClr>
-          </a:lnRef>
-          <a:fillRef idx="1">
-            <a:schemeClr val="accent1"/>
-          </a:fillRef>
-          <a:effectRef idx="0">
-            <a:schemeClr val="accent1"/>
-          </a:effectRef>
-          <a:fontRef idx="minor">
-            <a:schemeClr val="lt1"/>
-          </a:fontRef>
-        </p:style>
-        <p:txBody>
-          <a:bodyPr rtlCol="0" anchor="ctr"/>
-          <a:lstStyle/>
-          <a:p>
-            <a:pPr algn="ctr"/>
-            <a:r>
-              <a:rPr lang="en-CA" dirty="0">
-                <a:solidFill>
-                  <a:schemeClr val="bg1"/>
-                </a:solidFill>
-              </a:rPr>
-              <a:t>HHT</a:t>
-            </a:r>
-          </a:p>
-        </p:txBody>
-      </p:sp>
-      <p:sp>
-        <p:nvSpPr>
-          <p:cNvPr id="16" name="TextBox 15">
-            <a:extLst>
-              <a:ext uri="{FF2B5EF4-FFF2-40B4-BE49-F238E27FC236}">
-                <a16:creationId xmlns:a16="http://schemas.microsoft.com/office/drawing/2014/main" id="{7698E641-0467-4A10-AEB9-06F68F077D05}"/>
-              </a:ext>
-            </a:extLst>
-          </p:cNvPr>
-          <p:cNvSpPr txBox="1"/>
-          <p:nvPr/>
-        </p:nvSpPr>
-        <p:spPr>
-          <a:xfrm>
-            <a:off x="7944806" y="685800"/>
-            <a:ext cx="846707" cy="369332"/>
-          </a:xfrm>
-          <a:prstGeom prst="rect">
-            <a:avLst/>
-          </a:prstGeom>
-          <a:noFill/>
-        </p:spPr>
-        <p:txBody>
-          <a:bodyPr wrap="square" rtlCol="0">
-            <a:spAutoFit/>
-          </a:bodyPr>
-          <a:lstStyle/>
-          <a:p>
-            <a:r>
-              <a:rPr lang="en-CA" dirty="0"/>
-              <a:t>Signal</a:t>
-            </a:r>
-          </a:p>
-        </p:txBody>
-      </p:sp>
-      <p:sp>
-        <p:nvSpPr>
-          <p:cNvPr id="17" name="TextBox 16">
-            <a:extLst>
-              <a:ext uri="{FF2B5EF4-FFF2-40B4-BE49-F238E27FC236}">
-                <a16:creationId xmlns:a16="http://schemas.microsoft.com/office/drawing/2014/main" id="{F298DA6A-5F12-49E6-A773-0F5A57E42FC7}"/>
-              </a:ext>
-            </a:extLst>
-          </p:cNvPr>
-          <p:cNvSpPr txBox="1"/>
-          <p:nvPr/>
-        </p:nvSpPr>
-        <p:spPr>
-          <a:xfrm>
-            <a:off x="7989038" y="5709280"/>
-            <a:ext cx="3076483" cy="369332"/>
-          </a:xfrm>
-          <a:prstGeom prst="rect">
-            <a:avLst/>
-          </a:prstGeom>
-          <a:noFill/>
-        </p:spPr>
-        <p:txBody>
-          <a:bodyPr wrap="none" rtlCol="0">
-            <a:spAutoFit/>
-          </a:bodyPr>
-          <a:lstStyle/>
-          <a:p>
-            <a:r>
-              <a:rPr lang="en-CA" dirty="0"/>
-              <a:t>“Intrinsic Mode Functions”</a:t>
-            </a:r>
-          </a:p>
-        </p:txBody>
-      </p:sp>
     </p:spTree>
     <p:extLst>
       <p:ext uri="{BB962C8B-B14F-4D97-AF65-F5344CB8AC3E}">

--- a/Geomagnetic_Presentation_Beans2.pptx
+++ b/Geomagnetic_Presentation_Beans2.pptx
@@ -316,7 +316,7 @@
           <a:p>
             <a:fld id="{5D27D48A-F693-4EB9-BFA1-8C692A653F2A}" type="datetimeFigureOut">
               <a:rPr lang="en-CA" smtClean="0"/>
-              <a:t>2019-10-20</a:t>
+              <a:t>2019-11-03</a:t>
             </a:fld>
             <a:endParaRPr lang="en-CA"/>
           </a:p>
@@ -752,7 +752,7 @@
           <a:p>
             <a:fld id="{5D27D48A-F693-4EB9-BFA1-8C692A653F2A}" type="datetimeFigureOut">
               <a:rPr lang="en-CA" smtClean="0"/>
-              <a:t>2019-10-20</a:t>
+              <a:t>2019-11-03</a:t>
             </a:fld>
             <a:endParaRPr lang="en-CA"/>
           </a:p>
@@ -1002,7 +1002,7 @@
           <a:p>
             <a:fld id="{5D27D48A-F693-4EB9-BFA1-8C692A653F2A}" type="datetimeFigureOut">
               <a:rPr lang="en-CA" smtClean="0"/>
-              <a:t>2019-10-20</a:t>
+              <a:t>2019-11-03</a:t>
             </a:fld>
             <a:endParaRPr lang="en-CA"/>
           </a:p>
@@ -1310,7 +1310,7 @@
           <a:p>
             <a:fld id="{5D27D48A-F693-4EB9-BFA1-8C692A653F2A}" type="datetimeFigureOut">
               <a:rPr lang="en-CA" smtClean="0"/>
-              <a:t>2019-10-20</a:t>
+              <a:t>2019-11-03</a:t>
             </a:fld>
             <a:endParaRPr lang="en-CA"/>
           </a:p>
@@ -1628,7 +1628,7 @@
           <a:p>
             <a:fld id="{5D27D48A-F693-4EB9-BFA1-8C692A653F2A}" type="datetimeFigureOut">
               <a:rPr lang="en-CA" smtClean="0"/>
-              <a:t>2019-10-20</a:t>
+              <a:t>2019-11-03</a:t>
             </a:fld>
             <a:endParaRPr lang="en-CA"/>
           </a:p>
@@ -1930,7 +1930,7 @@
           <a:p>
             <a:fld id="{5D27D48A-F693-4EB9-BFA1-8C692A653F2A}" type="datetimeFigureOut">
               <a:rPr lang="en-CA" smtClean="0"/>
-              <a:t>2019-10-20</a:t>
+              <a:t>2019-11-03</a:t>
             </a:fld>
             <a:endParaRPr lang="en-CA"/>
           </a:p>
@@ -2297,7 +2297,7 @@
           <a:p>
             <a:fld id="{5D27D48A-F693-4EB9-BFA1-8C692A653F2A}" type="datetimeFigureOut">
               <a:rPr lang="en-CA" smtClean="0"/>
-              <a:t>2019-10-20</a:t>
+              <a:t>2019-11-03</a:t>
             </a:fld>
             <a:endParaRPr lang="en-CA"/>
           </a:p>
@@ -2471,7 +2471,7 @@
           <a:p>
             <a:fld id="{5D27D48A-F693-4EB9-BFA1-8C692A653F2A}" type="datetimeFigureOut">
               <a:rPr lang="en-CA" smtClean="0"/>
-              <a:t>2019-10-20</a:t>
+              <a:t>2019-11-03</a:t>
             </a:fld>
             <a:endParaRPr lang="en-CA"/>
           </a:p>
@@ -2651,7 +2651,7 @@
           <a:p>
             <a:fld id="{5D27D48A-F693-4EB9-BFA1-8C692A653F2A}" type="datetimeFigureOut">
               <a:rPr lang="en-CA" smtClean="0"/>
-              <a:t>2019-10-20</a:t>
+              <a:t>2019-11-03</a:t>
             </a:fld>
             <a:endParaRPr lang="en-CA"/>
           </a:p>
@@ -2821,7 +2821,7 @@
           <a:p>
             <a:fld id="{5D27D48A-F693-4EB9-BFA1-8C692A653F2A}" type="datetimeFigureOut">
               <a:rPr lang="en-CA" smtClean="0"/>
-              <a:t>2019-10-20</a:t>
+              <a:t>2019-11-03</a:t>
             </a:fld>
             <a:endParaRPr lang="en-CA"/>
           </a:p>
@@ -3071,7 +3071,7 @@
           <a:p>
             <a:fld id="{5D27D48A-F693-4EB9-BFA1-8C692A653F2A}" type="datetimeFigureOut">
               <a:rPr lang="en-CA" smtClean="0"/>
-              <a:t>2019-10-20</a:t>
+              <a:t>2019-11-03</a:t>
             </a:fld>
             <a:endParaRPr lang="en-CA"/>
           </a:p>
@@ -3307,7 +3307,7 @@
           <a:p>
             <a:fld id="{5D27D48A-F693-4EB9-BFA1-8C692A653F2A}" type="datetimeFigureOut">
               <a:rPr lang="en-CA" smtClean="0"/>
-              <a:t>2019-10-20</a:t>
+              <a:t>2019-11-03</a:t>
             </a:fld>
             <a:endParaRPr lang="en-CA"/>
           </a:p>
@@ -3689,7 +3689,7 @@
           <a:p>
             <a:fld id="{5D27D48A-F693-4EB9-BFA1-8C692A653F2A}" type="datetimeFigureOut">
               <a:rPr lang="en-CA" smtClean="0"/>
-              <a:t>2019-10-20</a:t>
+              <a:t>2019-11-03</a:t>
             </a:fld>
             <a:endParaRPr lang="en-CA"/>
           </a:p>
@@ -3807,7 +3807,7 @@
           <a:p>
             <a:fld id="{5D27D48A-F693-4EB9-BFA1-8C692A653F2A}" type="datetimeFigureOut">
               <a:rPr lang="en-CA" smtClean="0"/>
-              <a:t>2019-10-20</a:t>
+              <a:t>2019-11-03</a:t>
             </a:fld>
             <a:endParaRPr lang="en-CA"/>
           </a:p>
@@ -3902,7 +3902,7 @@
           <a:p>
             <a:fld id="{5D27D48A-F693-4EB9-BFA1-8C692A653F2A}" type="datetimeFigureOut">
               <a:rPr lang="en-CA" smtClean="0"/>
-              <a:t>2019-10-20</a:t>
+              <a:t>2019-11-03</a:t>
             </a:fld>
             <a:endParaRPr lang="en-CA"/>
           </a:p>
@@ -4157,7 +4157,7 @@
           <a:p>
             <a:fld id="{5D27D48A-F693-4EB9-BFA1-8C692A653F2A}" type="datetimeFigureOut">
               <a:rPr lang="en-CA" smtClean="0"/>
-              <a:t>2019-10-20</a:t>
+              <a:t>2019-11-03</a:t>
             </a:fld>
             <a:endParaRPr lang="en-CA"/>
           </a:p>
@@ -4440,7 +4440,7 @@
           <a:p>
             <a:fld id="{5D27D48A-F693-4EB9-BFA1-8C692A653F2A}" type="datetimeFigureOut">
               <a:rPr lang="en-CA" smtClean="0"/>
-              <a:t>2019-10-20</a:t>
+              <a:t>2019-11-03</a:t>
             </a:fld>
             <a:endParaRPr lang="en-CA"/>
           </a:p>
@@ -4846,7 +4846,7 @@
           <a:p>
             <a:fld id="{5D27D48A-F693-4EB9-BFA1-8C692A653F2A}" type="datetimeFigureOut">
               <a:rPr lang="en-CA" smtClean="0"/>
-              <a:t>2019-10-20</a:t>
+              <a:t>2019-11-03</a:t>
             </a:fld>
             <a:endParaRPr lang="en-CA"/>
           </a:p>
@@ -5949,12 +5949,92 @@
           </a:p>
         </p:txBody>
       </p:sp>
+      <p:sp>
+        <p:nvSpPr>
+          <p:cNvPr id="14" name="TextBox 13">
+            <a:extLst>
+              <a:ext uri="{FF2B5EF4-FFF2-40B4-BE49-F238E27FC236}">
+                <a16:creationId xmlns:a16="http://schemas.microsoft.com/office/drawing/2014/main" id="{1BA2BB1A-B75A-470D-B979-F904F0E6E67D}"/>
+              </a:ext>
+            </a:extLst>
+          </p:cNvPr>
+          <p:cNvSpPr txBox="1"/>
+          <p:nvPr/>
+        </p:nvSpPr>
+        <p:spPr>
+          <a:xfrm>
+            <a:off x="3520659" y="2372638"/>
+            <a:ext cx="2034531" cy="369332"/>
+          </a:xfrm>
+          <a:prstGeom prst="rect">
+            <a:avLst/>
+          </a:prstGeom>
+          <a:noFill/>
+        </p:spPr>
+        <p:txBody>
+          <a:bodyPr wrap="none" rtlCol="0">
+            <a:spAutoFit/>
+          </a:bodyPr>
+          <a:lstStyle/>
+          <a:p>
+            <a:r>
+              <a:rPr lang="en-CA" dirty="0"/>
+              <a:t>Second IMF of</a:t>
+            </a:r>
+            <a:r>
+              <a:rPr lang="el-GR" dirty="0"/>
+              <a:t> Ω</a:t>
+            </a:r>
+            <a:endParaRPr lang="en-CA" dirty="0"/>
+          </a:p>
+        </p:txBody>
+      </p:sp>
+      <p:sp>
+        <p:nvSpPr>
+          <p:cNvPr id="15" name="TextBox 14">
+            <a:extLst>
+              <a:ext uri="{FF2B5EF4-FFF2-40B4-BE49-F238E27FC236}">
+                <a16:creationId xmlns:a16="http://schemas.microsoft.com/office/drawing/2014/main" id="{D572E459-6DE0-4BD7-96A5-8E8EB561BCCC}"/>
+              </a:ext>
+            </a:extLst>
+          </p:cNvPr>
+          <p:cNvSpPr txBox="1"/>
+          <p:nvPr/>
+        </p:nvSpPr>
+        <p:spPr>
+          <a:xfrm>
+            <a:off x="7323755" y="2501654"/>
+            <a:ext cx="1050288" cy="369332"/>
+          </a:xfrm>
+          <a:prstGeom prst="rect">
+            <a:avLst/>
+          </a:prstGeom>
+          <a:noFill/>
+        </p:spPr>
+        <p:txBody>
+          <a:bodyPr wrap="none" rtlCol="0">
+            <a:spAutoFit/>
+          </a:bodyPr>
+          <a:lstStyle/>
+          <a:p>
+            <a:r>
+              <a:rPr lang="en-CA" dirty="0"/>
+              <a:t>FFT of</a:t>
+            </a:r>
+            <a:r>
+              <a:rPr lang="el-GR" dirty="0"/>
+              <a:t> Ω</a:t>
+            </a:r>
+            <a:endParaRPr lang="en-CA" dirty="0"/>
+          </a:p>
+        </p:txBody>
+      </p:sp>
       <p:pic>
         <p:nvPicPr>
-          <p:cNvPr id="13" name="Picture 12" descr="A screenshot of a cell phone&#10;&#10;Description automatically generated">
+          <p:cNvPr id="4" name="Picture 3" descr="A close up of a logo&#10;&#10;Description automatically generated">
             <a:extLst>
               <a:ext uri="{FF2B5EF4-FFF2-40B4-BE49-F238E27FC236}">
-                <a16:creationId xmlns:a16="http://schemas.microsoft.com/office/drawing/2014/main" id="{BDFB477E-EB6C-4DA0-ABDD-4DDD9AB0DD40}"/>
+                <a16:creationId xmlns:a16="http://schemas.microsoft.com/office/drawing/2014/main" id="{95AE7E68-23F1-481A-B648-ABA5EF8B3510}"/>
               </a:ext>
             </a:extLst>
           </p:cNvPr>
@@ -5965,7 +6045,17 @@
         </p:nvPicPr>
         <p:blipFill>
           <a:blip r:embed="rId2">
+            <a:lum bright="70000" contrast="-70000"/>
             <a:extLst>
+              <a:ext uri="{BEBA8EAE-BF5A-486C-A8C5-ECC9F3942E4B}">
+                <a14:imgProps xmlns:a14="http://schemas.microsoft.com/office/drawing/2010/main">
+                  <a14:imgLayer r:embed="rId3">
+                    <a14:imgEffect>
+                      <a14:brightnessContrast bright="40000" contrast="40000"/>
+                    </a14:imgEffect>
+                  </a14:imgLayer>
+                </a14:imgProps>
+              </a:ext>
               <a:ext uri="{28A0092B-C50C-407E-A947-70E740481C1C}">
                 <a14:useLocalDpi xmlns:a14="http://schemas.microsoft.com/office/drawing/2010/main" val="0"/>
               </a:ext>
@@ -5977,94 +6067,15 @@
         </p:blipFill>
         <p:spPr>
           <a:xfrm>
-            <a:off x="1863969" y="2561492"/>
-            <a:ext cx="7854462" cy="1131597"/>
-          </a:xfrm>
-          <a:prstGeom prst="rect">
-            <a:avLst/>
-          </a:prstGeom>
-        </p:spPr>
-      </p:pic>
-      <p:sp>
-        <p:nvSpPr>
-          <p:cNvPr id="14" name="TextBox 13">
-            <a:extLst>
-              <a:ext uri="{FF2B5EF4-FFF2-40B4-BE49-F238E27FC236}">
-                <a16:creationId xmlns:a16="http://schemas.microsoft.com/office/drawing/2014/main" id="{1BA2BB1A-B75A-470D-B979-F904F0E6E67D}"/>
-              </a:ext>
-            </a:extLst>
-          </p:cNvPr>
-          <p:cNvSpPr txBox="1"/>
-          <p:nvPr/>
-        </p:nvSpPr>
-        <p:spPr>
-          <a:xfrm>
-            <a:off x="4728673" y="2192160"/>
-            <a:ext cx="2034531" cy="369332"/>
+            <a:off x="494951" y="2686320"/>
+            <a:ext cx="11350305" cy="1195380"/>
           </a:xfrm>
           <a:prstGeom prst="rect">
             <a:avLst/>
           </a:prstGeom>
           <a:noFill/>
         </p:spPr>
-        <p:txBody>
-          <a:bodyPr wrap="none" rtlCol="0">
-            <a:spAutoFit/>
-          </a:bodyPr>
-          <a:lstStyle/>
-          <a:p>
-            <a:r>
-              <a:rPr lang="en-CA" dirty="0"/>
-              <a:t>Second IMF of</a:t>
-            </a:r>
-            <a:r>
-              <a:rPr lang="el-GR" dirty="0"/>
-              <a:t> Ω</a:t>
-            </a:r>
-            <a:endParaRPr lang="en-CA" dirty="0"/>
-          </a:p>
-        </p:txBody>
-      </p:sp>
-      <p:sp>
-        <p:nvSpPr>
-          <p:cNvPr id="15" name="TextBox 14">
-            <a:extLst>
-              <a:ext uri="{FF2B5EF4-FFF2-40B4-BE49-F238E27FC236}">
-                <a16:creationId xmlns:a16="http://schemas.microsoft.com/office/drawing/2014/main" id="{D572E459-6DE0-4BD7-96A5-8E8EB561BCCC}"/>
-              </a:ext>
-            </a:extLst>
-          </p:cNvPr>
-          <p:cNvSpPr txBox="1"/>
-          <p:nvPr/>
-        </p:nvSpPr>
-        <p:spPr>
-          <a:xfrm>
-            <a:off x="7592203" y="2203828"/>
-            <a:ext cx="1050288" cy="369332"/>
-          </a:xfrm>
-          <a:prstGeom prst="rect">
-            <a:avLst/>
-          </a:prstGeom>
-          <a:noFill/>
-        </p:spPr>
-        <p:txBody>
-          <a:bodyPr wrap="none" rtlCol="0">
-            <a:spAutoFit/>
-          </a:bodyPr>
-          <a:lstStyle/>
-          <a:p>
-            <a:r>
-              <a:rPr lang="en-CA" dirty="0"/>
-              <a:t>FFT of</a:t>
-            </a:r>
-            <a:r>
-              <a:rPr lang="el-GR" dirty="0"/>
-              <a:t> Ω</a:t>
-            </a:r>
-            <a:endParaRPr lang="en-CA" dirty="0"/>
-          </a:p>
-        </p:txBody>
-      </p:sp>
+      </p:pic>
     </p:spTree>
     <p:extLst>
       <p:ext uri="{BB962C8B-B14F-4D97-AF65-F5344CB8AC3E}">
